--- a/docs/songs_2024-12-01.pptx
+++ b/docs/songs_2024-12-01.pptx
@@ -4774,7 +4774,23 @@
                   <a:schemeClr val="bg1"/>
                 </a:solidFill>
               </a:rPr>
-              <a:t>24th November </a:t>
+              <a:t>1</a:t>
+            </a:r>
+            <a:r>
+              <a:rPr lang="en-US" sz="2400" baseline="30000" dirty="0">
+                <a:solidFill>
+                  <a:schemeClr val="bg1"/>
+                </a:solidFill>
+              </a:rPr>
+              <a:t>st</a:t>
+            </a:r>
+            <a:r>
+              <a:rPr lang="en-US" sz="2400" dirty="0">
+                <a:solidFill>
+                  <a:schemeClr val="bg1"/>
+                </a:solidFill>
+              </a:rPr>
+              <a:t> December </a:t>
             </a:r>
             <a:r>
               <a:rPr kumimoji="0" lang="en-US" sz="2400" b="0" i="0" u="none" strike="noStrike" kern="1200" cap="none" spc="0" normalizeH="0" baseline="0" noProof="0" dirty="0">
@@ -9857,8 +9873,21 @@
                   <a:schemeClr val="bg1"/>
                 </a:solidFill>
               </a:rPr>
-              <a:t>Jesus Yours is the victory whoa</a:t>
-            </a:r>
+              <a:t>Jesus Yours is </a:t>
+            </a:r>
+            <a:r>
+              <a:rPr lang="en-GB" sz="3600">
+                <a:solidFill>
+                  <a:schemeClr val="bg1"/>
+                </a:solidFill>
+              </a:rPr>
+              <a:t>the victory</a:t>
+            </a:r>
+            <a:endParaRPr lang="en-GB" sz="3600" dirty="0">
+              <a:solidFill>
+                <a:schemeClr val="bg1"/>
+              </a:solidFill>
+            </a:endParaRPr>
           </a:p>
         </p:txBody>
       </p:sp>
@@ -10906,7 +10935,7 @@
                   <a:schemeClr val="bg1"/>
                 </a:solidFill>
               </a:rPr>
-              <a:t>Joy to the world the Saviour reigns</a:t>
+              <a:t>Joy to the earth the Saviour reigns</a:t>
             </a:r>
           </a:p>
           <a:p>
@@ -11118,7 +11147,7 @@
                   <a:schemeClr val="bg1"/>
                 </a:solidFill>
               </a:rPr>
-              <a:t>And wonders and wonders of His love</a:t>
+              <a:t>And wonders, wonders of His love</a:t>
             </a:r>
           </a:p>
         </p:txBody>
